--- a/Project/Views/NutrIA.views.pptx
+++ b/Project/Views/NutrIA.views.pptx
@@ -5,7 +5,7 @@
     <p:sldMasterId id="2147483648" r:id="rId1"/>
   </p:sldMasterIdLst>
   <p:notesMasterIdLst>
-    <p:notesMasterId r:id="rId14"/>
+    <p:notesMasterId r:id="rId16"/>
   </p:notesMasterIdLst>
   <p:sldIdLst>
     <p:sldId id="256" r:id="rId2"/>
@@ -20,26 +20,28 @@
     <p:sldId id="272" r:id="rId11"/>
     <p:sldId id="265" r:id="rId12"/>
     <p:sldId id="273" r:id="rId13"/>
+    <p:sldId id="274" r:id="rId14"/>
+    <p:sldId id="275" r:id="rId15"/>
   </p:sldIdLst>
   <p:sldSz cx="18288000" cy="10287000"/>
   <p:notesSz cx="6858000" cy="9144000"/>
   <p:embeddedFontLst>
     <p:embeddedFont>
       <p:font typeface="Aptos Narrow" panose="020B0004020202020204" pitchFamily="34" charset="0"/>
-      <p:regular r:id="rId15"/>
-      <p:bold r:id="rId16"/>
+      <p:regular r:id="rId17"/>
+      <p:bold r:id="rId18"/>
     </p:embeddedFont>
     <p:embeddedFont>
       <p:font typeface="Glacial Indifference" panose="020B0604020202020204" charset="0"/>
-      <p:regular r:id="rId17"/>
+      <p:regular r:id="rId19"/>
     </p:embeddedFont>
     <p:embeddedFont>
       <p:font typeface="Glacial Indifference Bold" panose="020B0604020202020204" charset="0"/>
-      <p:regular r:id="rId18"/>
+      <p:regular r:id="rId20"/>
     </p:embeddedFont>
     <p:embeddedFont>
       <p:font typeface="League Spartan" panose="020B0604020202020204" charset="0"/>
-      <p:regular r:id="rId19"/>
+      <p:regular r:id="rId21"/>
     </p:embeddedFont>
   </p:embeddedFontLst>
   <p:defaultTextStyle>
@@ -4126,7 +4128,7 @@
         </p:nvSpPr>
         <p:spPr>
           <a:xfrm>
-            <a:off x="1453702" y="853183"/>
+            <a:off x="5791200" y="412742"/>
             <a:ext cx="6302737" cy="830997"/>
           </a:xfrm>
           <a:prstGeom prst="rect">
@@ -4163,7 +4165,7 @@
                 <a:cs typeface="Glacial Indifference Bold"/>
                 <a:sym typeface="Glacial Indifference Bold"/>
               </a:rPr>
-              <a:t>ESCENARIO</a:t>
+              <a:t>ESCENARIO 1</a:t>
             </a:r>
             <a:endParaRPr kumimoji="0" lang="es-CO" sz="5400" b="1" i="0" u="none" strike="noStrike" kern="1200" cap="none" spc="688" normalizeH="0" baseline="0" noProof="0" dirty="0">
               <a:ln>
@@ -4197,8 +4199,8 @@
         </p:nvSpPr>
         <p:spPr>
           <a:xfrm>
-            <a:off x="1202093" y="2436650"/>
-            <a:ext cx="6805955" cy="445763"/>
+            <a:off x="1114325" y="1769224"/>
+            <a:ext cx="7484707" cy="8239435"/>
           </a:xfrm>
           <a:prstGeom prst="rect">
             <a:avLst/>
@@ -4216,17 +4218,40 @@
               </a:lnSpc>
             </a:pPr>
             <a:r>
+              <a:rPr lang="es-MX" sz="2400" dirty="0"/>
+              <a:t>El escenario "Generación de Dieta" describe las funcionalidades clave de un sistema de planificación de dietas, centrado en la creación y personalización de platos y dietas según las necesidades del usuario. Incluye acciones como generar platos individuales, modificar dietas existentes y configurar preferencias iniciales (como restricciones alimentarias, presupuesto o ingredientes disponibles). Las relaciones "</a:t>
+            </a:r>
+            <a:r>
               <a:rPr lang="es-MX" sz="2400" dirty="0" err="1"/>
-              <a:t>Lorem</a:t>
+              <a:t>include</a:t>
             </a:r>
             <a:r>
               <a:rPr lang="es-MX" sz="2400" dirty="0"/>
-              <a:t> </a:t>
-            </a:r>
-            <a:r>
-              <a:rPr lang="es-MX" sz="2400" dirty="0" err="1"/>
-              <a:t>impsum</a:t>
-            </a:r>
+              <a:t>" indican que ciertas acciones son parte esencial del proceso principal, mientras que "</a:t>
+            </a:r>
+            <a:r>
+              <a:rPr lang="es-MX" sz="2400"/>
+              <a:t>extends" </a:t>
+            </a:r>
+            <a:r>
+              <a:rPr lang="es-MX" sz="2400" dirty="0"/>
+              <a:t>sugiere que otras funcionalidades (como actualizar preferencias o consultar información nutricional) extienden o complementan el flujo base. El proveedor de modelo de IA actúa como un actor externo que posiblemente aporta inteligencia artificial para optimizar las recomendaciones.</a:t>
+            </a:r>
+          </a:p>
+          <a:p>
+            <a:pPr algn="just">
+              <a:lnSpc>
+                <a:spcPts val="3772"/>
+              </a:lnSpc>
+            </a:pPr>
+            <a:endParaRPr lang="es-MX" sz="2400" dirty="0"/>
+          </a:p>
+          <a:p>
+            <a:pPr algn="just">
+              <a:lnSpc>
+                <a:spcPts val="3772"/>
+              </a:lnSpc>
+            </a:pPr>
             <a:endParaRPr lang="es-CO" sz="2400" u="none" strike="noStrike" spc="59" noProof="0" dirty="0">
               <a:solidFill>
                 <a:srgbClr val="152540"/>
@@ -4239,6 +4264,42 @@
           </a:p>
         </p:txBody>
       </p:sp>
+      <p:pic>
+        <p:nvPicPr>
+          <p:cNvPr id="3" name="Imagen 2" descr="Diagrama&#10;&#10;El contenido generado por IA puede ser incorrecto.">
+            <a:extLst>
+              <a:ext uri="{FF2B5EF4-FFF2-40B4-BE49-F238E27FC236}">
+                <a16:creationId xmlns:a16="http://schemas.microsoft.com/office/drawing/2014/main" id="{A953C59E-4546-0607-B881-B5B311B70675}"/>
+              </a:ext>
+            </a:extLst>
+          </p:cNvPr>
+          <p:cNvPicPr>
+            <a:picLocks noChangeAspect="1"/>
+          </p:cNvPicPr>
+          <p:nvPr/>
+        </p:nvPicPr>
+        <p:blipFill>
+          <a:blip r:embed="rId6">
+            <a:extLst>
+              <a:ext uri="{28A0092B-C50C-407E-A947-70E740481C1C}">
+                <a14:useLocalDpi xmlns:a14="http://schemas.microsoft.com/office/drawing/2010/main" val="0"/>
+              </a:ext>
+            </a:extLst>
+          </a:blip>
+          <a:stretch>
+            <a:fillRect/>
+          </a:stretch>
+        </p:blipFill>
+        <p:spPr>
+          <a:xfrm>
+            <a:off x="9144000" y="1684180"/>
+            <a:ext cx="8811352" cy="6918638"/>
+          </a:xfrm>
+          <a:prstGeom prst="rect">
+            <a:avLst/>
+          </a:prstGeom>
+        </p:spPr>
+      </p:pic>
     </p:spTree>
     <p:extLst>
       <p:ext uri="{BB962C8B-B14F-4D97-AF65-F5344CB8AC3E}">
@@ -4510,7 +4571,7 @@
                 <a:cs typeface="Glacial Indifference Bold"/>
                 <a:sym typeface="Glacial Indifference Bold"/>
               </a:rPr>
-              <a:t>ESCENARIO – CATÁLOGO DE ELEMENTOS Y RELACIONES</a:t>
+              <a:t>ESCENARIO 1 – CATÁLOGO DE ELEMENTOS Y RELACIONES</a:t>
             </a:r>
           </a:p>
         </p:txBody>
@@ -4519,6 +4580,666 @@
     <p:extLst>
       <p:ext uri="{BB962C8B-B14F-4D97-AF65-F5344CB8AC3E}">
         <p14:creationId xmlns:p14="http://schemas.microsoft.com/office/powerpoint/2010/main" val="4063276558"/>
+      </p:ext>
+    </p:extLst>
+  </p:cSld>
+  <p:clrMapOvr>
+    <a:masterClrMapping/>
+  </p:clrMapOvr>
+</p:sld>
+</file>
+
+<file path=ppt/slides/slide13.xml><?xml version="1.0" encoding="utf-8"?>
+<p:sld xmlns:a="http://schemas.openxmlformats.org/drawingml/2006/main" xmlns:r="http://schemas.openxmlformats.org/officeDocument/2006/relationships" xmlns:p="http://schemas.openxmlformats.org/presentationml/2006/main">
+  <p:cSld>
+    <p:bg>
+      <p:bgPr>
+        <a:solidFill>
+          <a:srgbClr val="D8D9D9"/>
+        </a:solidFill>
+        <a:effectLst/>
+      </p:bgPr>
+    </p:bg>
+    <p:spTree>
+      <p:nvGrpSpPr>
+        <p:cNvPr id="1" name="">
+          <a:extLst>
+            <a:ext uri="{FF2B5EF4-FFF2-40B4-BE49-F238E27FC236}">
+              <a16:creationId xmlns:a16="http://schemas.microsoft.com/office/drawing/2014/main" id="{9961BF93-CF69-B95C-C820-00D1F494088F}"/>
+            </a:ext>
+          </a:extLst>
+        </p:cNvPr>
+        <p:cNvGrpSpPr/>
+        <p:nvPr/>
+      </p:nvGrpSpPr>
+      <p:grpSpPr>
+        <a:xfrm>
+          <a:off x="0" y="0"/>
+          <a:ext cx="0" cy="0"/>
+          <a:chOff x="0" y="0"/>
+          <a:chExt cx="0" cy="0"/>
+        </a:xfrm>
+      </p:grpSpPr>
+      <p:sp>
+        <p:nvSpPr>
+          <p:cNvPr id="11" name="Freeform 5">
+            <a:extLst>
+              <a:ext uri="{FF2B5EF4-FFF2-40B4-BE49-F238E27FC236}">
+                <a16:creationId xmlns:a16="http://schemas.microsoft.com/office/drawing/2014/main" id="{9736AD92-4DE1-292F-1C03-493553B1D560}"/>
+              </a:ext>
+            </a:extLst>
+          </p:cNvPr>
+          <p:cNvSpPr/>
+          <p:nvPr/>
+        </p:nvSpPr>
+        <p:spPr>
+          <a:xfrm rot="20698248">
+            <a:off x="-3775194" y="6616870"/>
+            <a:ext cx="8481393" cy="7340260"/>
+          </a:xfrm>
+          <a:custGeom>
+            <a:avLst/>
+            <a:gdLst/>
+            <a:ahLst/>
+            <a:cxnLst/>
+            <a:rect l="l" t="t" r="r" b="b"/>
+            <a:pathLst>
+              <a:path w="8481393" h="7340260">
+                <a:moveTo>
+                  <a:pt x="0" y="0"/>
+                </a:moveTo>
+                <a:lnTo>
+                  <a:pt x="8481393" y="0"/>
+                </a:lnTo>
+                <a:lnTo>
+                  <a:pt x="8481393" y="7340260"/>
+                </a:lnTo>
+                <a:lnTo>
+                  <a:pt x="0" y="7340260"/>
+                </a:lnTo>
+                <a:lnTo>
+                  <a:pt x="0" y="0"/>
+                </a:lnTo>
+                <a:close/>
+              </a:path>
+            </a:pathLst>
+          </a:custGeom>
+          <a:blipFill>
+            <a:blip r:embed="rId2">
+              <a:extLst>
+                <a:ext uri="{96DAC541-7B7A-43D3-8B79-37D633B846F1}">
+                  <asvg:svgBlip xmlns:asvg="http://schemas.microsoft.com/office/drawing/2016/SVG/main" r:embed="rId3"/>
+                </a:ext>
+              </a:extLst>
+            </a:blip>
+            <a:stretch>
+              <a:fillRect/>
+            </a:stretch>
+          </a:blipFill>
+          <a:ln cap="sq">
+            <a:noFill/>
+            <a:prstDash val="solid"/>
+            <a:miter/>
+          </a:ln>
+        </p:spPr>
+        <p:txBody>
+          <a:bodyPr/>
+          <a:lstStyle/>
+          <a:p>
+            <a:endParaRPr lang="es-CO" noProof="0" dirty="0"/>
+          </a:p>
+        </p:txBody>
+      </p:sp>
+      <p:sp>
+        <p:nvSpPr>
+          <p:cNvPr id="7" name="Freeform 7">
+            <a:extLst>
+              <a:ext uri="{FF2B5EF4-FFF2-40B4-BE49-F238E27FC236}">
+                <a16:creationId xmlns:a16="http://schemas.microsoft.com/office/drawing/2014/main" id="{BD68A9F5-7DF4-B1D0-E9DC-0DAF9B368BD4}"/>
+              </a:ext>
+            </a:extLst>
+          </p:cNvPr>
+          <p:cNvSpPr/>
+          <p:nvPr/>
+        </p:nvSpPr>
+        <p:spPr>
+          <a:xfrm rot="13568729">
+            <a:off x="-2900414" y="-2457732"/>
+            <a:ext cx="4899087" cy="6571946"/>
+          </a:xfrm>
+          <a:custGeom>
+            <a:avLst/>
+            <a:gdLst/>
+            <a:ahLst/>
+            <a:cxnLst/>
+            <a:rect l="l" t="t" r="r" b="b"/>
+            <a:pathLst>
+              <a:path w="9798172" h="13143890">
+                <a:moveTo>
+                  <a:pt x="0" y="0"/>
+                </a:moveTo>
+                <a:lnTo>
+                  <a:pt x="9798172" y="0"/>
+                </a:lnTo>
+                <a:lnTo>
+                  <a:pt x="9798172" y="13143890"/>
+                </a:lnTo>
+                <a:lnTo>
+                  <a:pt x="0" y="13143890"/>
+                </a:lnTo>
+                <a:lnTo>
+                  <a:pt x="0" y="0"/>
+                </a:lnTo>
+                <a:close/>
+              </a:path>
+            </a:pathLst>
+          </a:custGeom>
+          <a:blipFill>
+            <a:blip r:embed="rId4">
+              <a:extLst>
+                <a:ext uri="{96DAC541-7B7A-43D3-8B79-37D633B846F1}">
+                  <asvg:svgBlip xmlns:asvg="http://schemas.microsoft.com/office/drawing/2016/SVG/main" r:embed="rId5"/>
+                </a:ext>
+              </a:extLst>
+            </a:blip>
+            <a:stretch>
+              <a:fillRect/>
+            </a:stretch>
+          </a:blipFill>
+          <a:ln cap="sq">
+            <a:noFill/>
+            <a:prstDash val="solid"/>
+            <a:miter/>
+          </a:ln>
+        </p:spPr>
+        <p:txBody>
+          <a:bodyPr/>
+          <a:lstStyle/>
+          <a:p>
+            <a:pPr marL="0" marR="0" lvl="0" indent="0" algn="l" defTabSz="914400" rtl="0" eaLnBrk="1" fontAlgn="auto" latinLnBrk="0" hangingPunct="1">
+              <a:lnSpc>
+                <a:spcPct val="100000"/>
+              </a:lnSpc>
+              <a:spcBef>
+                <a:spcPts val="0"/>
+              </a:spcBef>
+              <a:spcAft>
+                <a:spcPts val="0"/>
+              </a:spcAft>
+              <a:buClrTx/>
+              <a:buSzTx/>
+              <a:buFontTx/>
+              <a:buNone/>
+              <a:tabLst/>
+              <a:defRPr/>
+            </a:pPr>
+            <a:endParaRPr kumimoji="0" lang="es-CO" sz="1800" b="0" i="0" u="none" strike="noStrike" kern="1200" cap="none" spc="0" normalizeH="0" baseline="0" noProof="0" dirty="0">
+              <a:ln>
+                <a:noFill/>
+              </a:ln>
+              <a:solidFill>
+                <a:prstClr val="black"/>
+              </a:solidFill>
+              <a:effectLst/>
+              <a:uLnTx/>
+              <a:uFillTx/>
+              <a:latin typeface="Calibri"/>
+              <a:ea typeface="+mn-ea"/>
+              <a:cs typeface="+mn-cs"/>
+            </a:endParaRPr>
+          </a:p>
+        </p:txBody>
+      </p:sp>
+      <p:sp>
+        <p:nvSpPr>
+          <p:cNvPr id="4" name="TextBox 4">
+            <a:extLst>
+              <a:ext uri="{FF2B5EF4-FFF2-40B4-BE49-F238E27FC236}">
+                <a16:creationId xmlns:a16="http://schemas.microsoft.com/office/drawing/2014/main" id="{8730700F-C929-B31D-BF19-E4A0D4272022}"/>
+              </a:ext>
+            </a:extLst>
+          </p:cNvPr>
+          <p:cNvSpPr txBox="1"/>
+          <p:nvPr/>
+        </p:nvSpPr>
+        <p:spPr>
+          <a:xfrm>
+            <a:off x="5687831" y="647700"/>
+            <a:ext cx="6302737" cy="830997"/>
+          </a:xfrm>
+          <a:prstGeom prst="rect">
+            <a:avLst/>
+          </a:prstGeom>
+        </p:spPr>
+        <p:txBody>
+          <a:bodyPr wrap="square" lIns="0" tIns="0" rIns="0" bIns="0" rtlCol="0" anchor="t">
+            <a:spAutoFit/>
+          </a:bodyPr>
+          <a:lstStyle/>
+          <a:p>
+            <a:pPr marL="0" marR="0" lvl="0" indent="0" algn="ctr" defTabSz="914400" rtl="0" eaLnBrk="1" fontAlgn="auto" latinLnBrk="0" hangingPunct="1">
+              <a:spcBef>
+                <a:spcPts val="0"/>
+              </a:spcBef>
+              <a:spcAft>
+                <a:spcPts val="0"/>
+              </a:spcAft>
+              <a:buClrTx/>
+              <a:buSzTx/>
+              <a:buFontTx/>
+              <a:buNone/>
+              <a:tabLst/>
+              <a:defRPr/>
+            </a:pPr>
+            <a:r>
+              <a:rPr lang="es-CO" sz="5400" b="1" spc="688" dirty="0">
+                <a:solidFill>
+                  <a:srgbClr val="152540"/>
+                </a:solidFill>
+                <a:latin typeface="Glacial Indifference Bold"/>
+                <a:ea typeface="Glacial Indifference Bold"/>
+                <a:cs typeface="Glacial Indifference Bold"/>
+                <a:sym typeface="Glacial Indifference Bold"/>
+              </a:rPr>
+              <a:t>ESCENARIO 2</a:t>
+            </a:r>
+            <a:endParaRPr kumimoji="0" lang="es-CO" sz="5400" b="1" i="0" u="none" strike="noStrike" kern="1200" cap="none" spc="688" normalizeH="0" baseline="0" noProof="0" dirty="0">
+              <a:ln>
+                <a:noFill/>
+              </a:ln>
+              <a:solidFill>
+                <a:srgbClr val="152540"/>
+              </a:solidFill>
+              <a:effectLst/>
+              <a:uLnTx/>
+              <a:uFillTx/>
+              <a:latin typeface="Glacial Indifference Bold"/>
+              <a:ea typeface="Glacial Indifference Bold"/>
+              <a:cs typeface="Glacial Indifference Bold"/>
+              <a:sym typeface="Glacial Indifference Bold"/>
+            </a:endParaRPr>
+          </a:p>
+        </p:txBody>
+      </p:sp>
+      <p:sp>
+        <p:nvSpPr>
+          <p:cNvPr id="8" name="TextBox 3">
+            <a:extLst>
+              <a:ext uri="{FF2B5EF4-FFF2-40B4-BE49-F238E27FC236}">
+                <a16:creationId xmlns:a16="http://schemas.microsoft.com/office/drawing/2014/main" id="{A5B9F25F-CEE2-D8F6-4DD7-D4A967D0A9EB}"/>
+              </a:ext>
+            </a:extLst>
+          </p:cNvPr>
+          <p:cNvSpPr txBox="1"/>
+          <p:nvPr/>
+        </p:nvSpPr>
+        <p:spPr>
+          <a:xfrm>
+            <a:off x="465502" y="1848776"/>
+            <a:ext cx="8458200" cy="6781793"/>
+          </a:xfrm>
+          <a:prstGeom prst="rect">
+            <a:avLst/>
+          </a:prstGeom>
+        </p:spPr>
+        <p:txBody>
+          <a:bodyPr wrap="square" lIns="0" tIns="0" rIns="0" bIns="0" rtlCol="0" anchor="t">
+            <a:spAutoFit/>
+          </a:bodyPr>
+          <a:lstStyle/>
+          <a:p>
+            <a:pPr algn="just">
+              <a:lnSpc>
+                <a:spcPts val="3772"/>
+              </a:lnSpc>
+            </a:pPr>
+            <a:r>
+              <a:rPr lang="es-MX" sz="2400" dirty="0"/>
+              <a:t>El escenario "Mascota Virtual y Gamificación" presenta un sistema interactivo que utiliza elementos de gamificación para motivar al usuario en el seguimiento de su dieta. La mascota virtual actúa como un incentivo visual, donde el usuario puede consultar su estado, personalizarla y mantener una "racha" de consumo diario registrado, posiblemente recompensado con gemas. La acción de "ver mascota de otros usuarios" fomenta la interacción social, mientras que "registrar consumo diario" es fundamental para mantener la racha. Las relaciones "&lt;&lt; </a:t>
+            </a:r>
+            <a:r>
+              <a:rPr lang="es-MX" sz="2400" dirty="0" err="1"/>
+              <a:t>extends</a:t>
+            </a:r>
+            <a:r>
+              <a:rPr lang="es-MX" sz="2400" dirty="0"/>
+              <a:t> &gt;&gt;" indican que ciertas funcionalidades (como personalizar la mascota o ver la racha) extienden el comportamiento base, mientras que "&lt;&lt; </a:t>
+            </a:r>
+            <a:r>
+              <a:rPr lang="es-MX" sz="2400" dirty="0" err="1"/>
+              <a:t>include</a:t>
+            </a:r>
+            <a:r>
+              <a:rPr lang="es-MX" sz="2400" dirty="0"/>
+              <a:t> &gt;&gt;" señala que otras son parte esencial del proceso (como ver mascotas de otros usuarios).</a:t>
+            </a:r>
+          </a:p>
+          <a:p>
+            <a:pPr algn="just">
+              <a:lnSpc>
+                <a:spcPts val="3772"/>
+              </a:lnSpc>
+            </a:pPr>
+            <a:endParaRPr lang="es-MX" sz="2400" dirty="0" err="1"/>
+          </a:p>
+        </p:txBody>
+      </p:sp>
+      <p:pic>
+        <p:nvPicPr>
+          <p:cNvPr id="3" name="Imagen 2" descr="Diagrama&#10;&#10;El contenido generado por IA puede ser incorrecto.">
+            <a:extLst>
+              <a:ext uri="{FF2B5EF4-FFF2-40B4-BE49-F238E27FC236}">
+                <a16:creationId xmlns:a16="http://schemas.microsoft.com/office/drawing/2014/main" id="{392835A2-198B-2EF8-667F-027916C1E4F2}"/>
+              </a:ext>
+            </a:extLst>
+          </p:cNvPr>
+          <p:cNvPicPr>
+            <a:picLocks noChangeAspect="1"/>
+          </p:cNvPicPr>
+          <p:nvPr/>
+        </p:nvPicPr>
+        <p:blipFill>
+          <a:blip r:embed="rId6">
+            <a:extLst>
+              <a:ext uri="{28A0092B-C50C-407E-A947-70E740481C1C}">
+                <a14:useLocalDpi xmlns:a14="http://schemas.microsoft.com/office/drawing/2010/main" val="0"/>
+              </a:ext>
+            </a:extLst>
+          </a:blip>
+          <a:stretch>
+            <a:fillRect/>
+          </a:stretch>
+        </p:blipFill>
+        <p:spPr>
+          <a:xfrm>
+            <a:off x="9364300" y="1866900"/>
+            <a:ext cx="8787246" cy="6553200"/>
+          </a:xfrm>
+          <a:prstGeom prst="rect">
+            <a:avLst/>
+          </a:prstGeom>
+        </p:spPr>
+      </p:pic>
+    </p:spTree>
+    <p:extLst>
+      <p:ext uri="{BB962C8B-B14F-4D97-AF65-F5344CB8AC3E}">
+        <p14:creationId xmlns:p14="http://schemas.microsoft.com/office/powerpoint/2010/main" val="674568458"/>
+      </p:ext>
+    </p:extLst>
+  </p:cSld>
+  <p:clrMapOvr>
+    <a:masterClrMapping/>
+  </p:clrMapOvr>
+</p:sld>
+</file>
+
+<file path=ppt/slides/slide14.xml><?xml version="1.0" encoding="utf-8"?>
+<p:sld xmlns:a="http://schemas.openxmlformats.org/drawingml/2006/main" xmlns:r="http://schemas.openxmlformats.org/officeDocument/2006/relationships" xmlns:p="http://schemas.openxmlformats.org/presentationml/2006/main">
+  <p:cSld>
+    <p:bg>
+      <p:bgPr>
+        <a:solidFill>
+          <a:srgbClr val="D8D9D9"/>
+        </a:solidFill>
+        <a:effectLst/>
+      </p:bgPr>
+    </p:bg>
+    <p:spTree>
+      <p:nvGrpSpPr>
+        <p:cNvPr id="1" name="">
+          <a:extLst>
+            <a:ext uri="{FF2B5EF4-FFF2-40B4-BE49-F238E27FC236}">
+              <a16:creationId xmlns:a16="http://schemas.microsoft.com/office/drawing/2014/main" id="{E9C26F7A-CD1E-5897-666C-2C2455B1CAF7}"/>
+            </a:ext>
+          </a:extLst>
+        </p:cNvPr>
+        <p:cNvGrpSpPr/>
+        <p:nvPr/>
+      </p:nvGrpSpPr>
+      <p:grpSpPr>
+        <a:xfrm>
+          <a:off x="0" y="0"/>
+          <a:ext cx="0" cy="0"/>
+          <a:chOff x="0" y="0"/>
+          <a:chExt cx="0" cy="0"/>
+        </a:xfrm>
+      </p:grpSpPr>
+      <p:sp>
+        <p:nvSpPr>
+          <p:cNvPr id="11" name="Freeform 5">
+            <a:extLst>
+              <a:ext uri="{FF2B5EF4-FFF2-40B4-BE49-F238E27FC236}">
+                <a16:creationId xmlns:a16="http://schemas.microsoft.com/office/drawing/2014/main" id="{0BEBEFFC-7404-F94C-7FEE-01708866D47B}"/>
+              </a:ext>
+            </a:extLst>
+          </p:cNvPr>
+          <p:cNvSpPr/>
+          <p:nvPr/>
+        </p:nvSpPr>
+        <p:spPr>
+          <a:xfrm rot="20698248">
+            <a:off x="-3775194" y="6616870"/>
+            <a:ext cx="8481393" cy="7340260"/>
+          </a:xfrm>
+          <a:custGeom>
+            <a:avLst/>
+            <a:gdLst/>
+            <a:ahLst/>
+            <a:cxnLst/>
+            <a:rect l="l" t="t" r="r" b="b"/>
+            <a:pathLst>
+              <a:path w="8481393" h="7340260">
+                <a:moveTo>
+                  <a:pt x="0" y="0"/>
+                </a:moveTo>
+                <a:lnTo>
+                  <a:pt x="8481393" y="0"/>
+                </a:lnTo>
+                <a:lnTo>
+                  <a:pt x="8481393" y="7340260"/>
+                </a:lnTo>
+                <a:lnTo>
+                  <a:pt x="0" y="7340260"/>
+                </a:lnTo>
+                <a:lnTo>
+                  <a:pt x="0" y="0"/>
+                </a:lnTo>
+                <a:close/>
+              </a:path>
+            </a:pathLst>
+          </a:custGeom>
+          <a:blipFill>
+            <a:blip r:embed="rId2">
+              <a:extLst>
+                <a:ext uri="{96DAC541-7B7A-43D3-8B79-37D633B846F1}">
+                  <asvg:svgBlip xmlns:asvg="http://schemas.microsoft.com/office/drawing/2016/SVG/main" r:embed="rId3"/>
+                </a:ext>
+              </a:extLst>
+            </a:blip>
+            <a:stretch>
+              <a:fillRect/>
+            </a:stretch>
+          </a:blipFill>
+          <a:ln cap="sq">
+            <a:noFill/>
+            <a:prstDash val="solid"/>
+            <a:miter/>
+          </a:ln>
+        </p:spPr>
+        <p:txBody>
+          <a:bodyPr/>
+          <a:lstStyle/>
+          <a:p>
+            <a:endParaRPr lang="es-CO" noProof="0" dirty="0"/>
+          </a:p>
+        </p:txBody>
+      </p:sp>
+      <p:sp>
+        <p:nvSpPr>
+          <p:cNvPr id="7" name="Freeform 7">
+            <a:extLst>
+              <a:ext uri="{FF2B5EF4-FFF2-40B4-BE49-F238E27FC236}">
+                <a16:creationId xmlns:a16="http://schemas.microsoft.com/office/drawing/2014/main" id="{E05EE44A-C791-6B61-14AA-7DA224E2BC82}"/>
+              </a:ext>
+            </a:extLst>
+          </p:cNvPr>
+          <p:cNvSpPr/>
+          <p:nvPr/>
+        </p:nvSpPr>
+        <p:spPr>
+          <a:xfrm rot="13568729">
+            <a:off x="-2900414" y="-2457732"/>
+            <a:ext cx="4899087" cy="6571946"/>
+          </a:xfrm>
+          <a:custGeom>
+            <a:avLst/>
+            <a:gdLst/>
+            <a:ahLst/>
+            <a:cxnLst/>
+            <a:rect l="l" t="t" r="r" b="b"/>
+            <a:pathLst>
+              <a:path w="9798172" h="13143890">
+                <a:moveTo>
+                  <a:pt x="0" y="0"/>
+                </a:moveTo>
+                <a:lnTo>
+                  <a:pt x="9798172" y="0"/>
+                </a:lnTo>
+                <a:lnTo>
+                  <a:pt x="9798172" y="13143890"/>
+                </a:lnTo>
+                <a:lnTo>
+                  <a:pt x="0" y="13143890"/>
+                </a:lnTo>
+                <a:lnTo>
+                  <a:pt x="0" y="0"/>
+                </a:lnTo>
+                <a:close/>
+              </a:path>
+            </a:pathLst>
+          </a:custGeom>
+          <a:blipFill>
+            <a:blip r:embed="rId4">
+              <a:extLst>
+                <a:ext uri="{96DAC541-7B7A-43D3-8B79-37D633B846F1}">
+                  <asvg:svgBlip xmlns:asvg="http://schemas.microsoft.com/office/drawing/2016/SVG/main" r:embed="rId5"/>
+                </a:ext>
+              </a:extLst>
+            </a:blip>
+            <a:stretch>
+              <a:fillRect/>
+            </a:stretch>
+          </a:blipFill>
+          <a:ln cap="sq">
+            <a:noFill/>
+            <a:prstDash val="solid"/>
+            <a:miter/>
+          </a:ln>
+        </p:spPr>
+        <p:txBody>
+          <a:bodyPr/>
+          <a:lstStyle/>
+          <a:p>
+            <a:pPr marL="0" marR="0" lvl="0" indent="0" algn="l" defTabSz="914400" rtl="0" eaLnBrk="1" fontAlgn="auto" latinLnBrk="0" hangingPunct="1">
+              <a:lnSpc>
+                <a:spcPct val="100000"/>
+              </a:lnSpc>
+              <a:spcBef>
+                <a:spcPts val="0"/>
+              </a:spcBef>
+              <a:spcAft>
+                <a:spcPts val="0"/>
+              </a:spcAft>
+              <a:buClrTx/>
+              <a:buSzTx/>
+              <a:buFontTx/>
+              <a:buNone/>
+              <a:tabLst/>
+              <a:defRPr/>
+            </a:pPr>
+            <a:endParaRPr kumimoji="0" lang="es-CO" sz="1800" b="0" i="0" u="none" strike="noStrike" kern="1200" cap="none" spc="0" normalizeH="0" baseline="0" noProof="0" dirty="0">
+              <a:ln>
+                <a:noFill/>
+              </a:ln>
+              <a:solidFill>
+                <a:prstClr val="black"/>
+              </a:solidFill>
+              <a:effectLst/>
+              <a:uLnTx/>
+              <a:uFillTx/>
+              <a:latin typeface="Calibri"/>
+              <a:ea typeface="+mn-ea"/>
+              <a:cs typeface="+mn-cs"/>
+            </a:endParaRPr>
+          </a:p>
+        </p:txBody>
+      </p:sp>
+      <p:sp>
+        <p:nvSpPr>
+          <p:cNvPr id="4" name="TextBox 4">
+            <a:extLst>
+              <a:ext uri="{FF2B5EF4-FFF2-40B4-BE49-F238E27FC236}">
+                <a16:creationId xmlns:a16="http://schemas.microsoft.com/office/drawing/2014/main" id="{E8A3CCE1-776C-9871-1C9E-98E064CCDC0C}"/>
+              </a:ext>
+            </a:extLst>
+          </p:cNvPr>
+          <p:cNvSpPr txBox="1"/>
+          <p:nvPr/>
+        </p:nvSpPr>
+        <p:spPr>
+          <a:xfrm>
+            <a:off x="838200" y="447833"/>
+            <a:ext cx="16992600" cy="1661993"/>
+          </a:xfrm>
+          <a:prstGeom prst="rect">
+            <a:avLst/>
+          </a:prstGeom>
+        </p:spPr>
+        <p:txBody>
+          <a:bodyPr wrap="square" lIns="0" tIns="0" rIns="0" bIns="0" rtlCol="0" anchor="t">
+            <a:spAutoFit/>
+          </a:bodyPr>
+          <a:lstStyle/>
+          <a:p>
+            <a:pPr marL="0" marR="0" lvl="0" indent="0" algn="ctr" defTabSz="914400" rtl="0" eaLnBrk="1" fontAlgn="auto" latinLnBrk="0" hangingPunct="1">
+              <a:spcBef>
+                <a:spcPts val="0"/>
+              </a:spcBef>
+              <a:spcAft>
+                <a:spcPts val="0"/>
+              </a:spcAft>
+              <a:buClrTx/>
+              <a:buSzTx/>
+              <a:buFontTx/>
+              <a:buNone/>
+              <a:tabLst/>
+              <a:defRPr/>
+            </a:pPr>
+            <a:r>
+              <a:rPr kumimoji="0" lang="es-CO" sz="5400" b="1" i="0" u="none" strike="noStrike" kern="1200" cap="none" spc="688" normalizeH="0" baseline="0" noProof="0" dirty="0">
+                <a:ln>
+                  <a:noFill/>
+                </a:ln>
+                <a:solidFill>
+                  <a:srgbClr val="152540"/>
+                </a:solidFill>
+                <a:effectLst/>
+                <a:uLnTx/>
+                <a:uFillTx/>
+                <a:latin typeface="Glacial Indifference Bold"/>
+                <a:ea typeface="Glacial Indifference Bold"/>
+                <a:cs typeface="Glacial Indifference Bold"/>
+                <a:sym typeface="Glacial Indifference Bold"/>
+              </a:rPr>
+              <a:t>ESCENARIO 2 – CATÁLOGO DE ELEMENTOS Y RELACIONES</a:t>
+            </a:r>
+          </a:p>
+        </p:txBody>
+      </p:sp>
+    </p:spTree>
+    <p:extLst>
+      <p:ext uri="{BB962C8B-B14F-4D97-AF65-F5344CB8AC3E}">
+        <p14:creationId xmlns:p14="http://schemas.microsoft.com/office/powerpoint/2010/main" val="716948290"/>
       </p:ext>
     </p:extLst>
   </p:cSld>
@@ -5089,7 +5810,7 @@
         </p:nvSpPr>
         <p:spPr>
           <a:xfrm rot="20698248">
-            <a:off x="-3775194" y="6616870"/>
+            <a:off x="-4240697" y="6879620"/>
             <a:ext cx="8481393" cy="7340260"/>
           </a:xfrm>
           <a:custGeom>
@@ -5259,8 +5980,8 @@
         </p:nvSpPr>
         <p:spPr>
           <a:xfrm>
-            <a:off x="1453702" y="1028700"/>
-            <a:ext cx="6302737" cy="830997"/>
+            <a:off x="2007523" y="369638"/>
+            <a:ext cx="4671751" cy="1661993"/>
           </a:xfrm>
           <a:prstGeom prst="rect">
             <a:avLst/>
@@ -5307,12 +6028,48 @@
           </a:p>
         </p:txBody>
       </p:sp>
-      <p:sp>
-        <p:nvSpPr>
-          <p:cNvPr id="8" name="TextBox 3">
+      <p:pic>
+        <p:nvPicPr>
+          <p:cNvPr id="3" name="Imagen 2" descr="Diagrama&#10;&#10;El contenido generado por IA puede ser incorrecto.">
             <a:extLst>
               <a:ext uri="{FF2B5EF4-FFF2-40B4-BE49-F238E27FC236}">
-                <a16:creationId xmlns:a16="http://schemas.microsoft.com/office/drawing/2014/main" id="{888FE6C0-960D-86BF-4D03-08CF1C14068C}"/>
+                <a16:creationId xmlns:a16="http://schemas.microsoft.com/office/drawing/2014/main" id="{D3444B85-3F55-B947-5B49-455E796E8D5D}"/>
+              </a:ext>
+            </a:extLst>
+          </p:cNvPr>
+          <p:cNvPicPr>
+            <a:picLocks noChangeAspect="1"/>
+          </p:cNvPicPr>
+          <p:nvPr/>
+        </p:nvPicPr>
+        <p:blipFill>
+          <a:blip r:embed="rId6">
+            <a:extLst>
+              <a:ext uri="{28A0092B-C50C-407E-A947-70E740481C1C}">
+                <a14:useLocalDpi xmlns:a14="http://schemas.microsoft.com/office/drawing/2010/main" val="0"/>
+              </a:ext>
+            </a:extLst>
+          </a:blip>
+          <a:stretch>
+            <a:fillRect/>
+          </a:stretch>
+        </p:blipFill>
+        <p:spPr>
+          <a:xfrm>
+            <a:off x="8654808" y="1210595"/>
+            <a:ext cx="9320720" cy="7875770"/>
+          </a:xfrm>
+          <a:prstGeom prst="rect">
+            <a:avLst/>
+          </a:prstGeom>
+        </p:spPr>
+      </p:pic>
+      <p:sp>
+        <p:nvSpPr>
+          <p:cNvPr id="9" name="TextBox 3">
+            <a:extLst>
+              <a:ext uri="{FF2B5EF4-FFF2-40B4-BE49-F238E27FC236}">
+                <a16:creationId xmlns:a16="http://schemas.microsoft.com/office/drawing/2014/main" id="{756416A8-8618-6E81-5B7E-2F33F931D307}"/>
               </a:ext>
             </a:extLst>
           </p:cNvPr>
@@ -5321,8 +6078,8 @@
         </p:nvSpPr>
         <p:spPr>
           <a:xfrm>
-            <a:off x="1202093" y="2436650"/>
-            <a:ext cx="6805955" cy="445763"/>
+            <a:off x="457200" y="2305534"/>
+            <a:ext cx="7772399" cy="6780831"/>
           </a:xfrm>
           <a:prstGeom prst="rect">
             <a:avLst/>
@@ -5340,16 +6097,48 @@
               </a:lnSpc>
             </a:pPr>
             <a:r>
+              <a:rPr lang="es-MX" sz="2400" dirty="0"/>
+              <a:t>La vista lógica representa los elementos clave del dominio y sus relaciones, con un enfoque en la personalización del usuario y el seguimiento nutricional. El Usuario es el eje central, con atributos personales, restricciones alimenticias, preferencias y metas de salud. Se relaciona con componentes como la </a:t>
+            </a:r>
+            <a:r>
               <a:rPr lang="es-MX" sz="2400" dirty="0" err="1"/>
-              <a:t>Lorem</a:t>
+              <a:t>DietaSemanal</a:t>
             </a:r>
             <a:r>
               <a:rPr lang="es-MX" sz="2400" dirty="0"/>
-              <a:t> </a:t>
+              <a:t>, que contiene múltiples Platos compuestos por Ingredientes, todos asociados a información nutricional. Además, el sistema integra gamificación mediante una </a:t>
             </a:r>
             <a:r>
               <a:rPr lang="es-MX" sz="2400" dirty="0" err="1"/>
-              <a:t>impsum</a:t>
+              <a:t>MascotaVirtual</a:t>
+            </a:r>
+            <a:r>
+              <a:rPr lang="es-MX" sz="2400" dirty="0"/>
+              <a:t>, personalizable con Accesorios, y un módulo de </a:t>
+            </a:r>
+            <a:r>
+              <a:rPr lang="es-MX" sz="2400" dirty="0" err="1"/>
+              <a:t>SistemaGamificación</a:t>
+            </a:r>
+            <a:r>
+              <a:rPr lang="es-MX" sz="2400" dirty="0"/>
+              <a:t> que otorga recompensas. Los Reportes permiten el seguimiento del progreso nutricional, y el </a:t>
+            </a:r>
+            <a:r>
+              <a:rPr lang="es-MX" sz="2400" dirty="0" err="1"/>
+              <a:t>AvatarPrivado</a:t>
+            </a:r>
+            <a:r>
+              <a:rPr lang="es-MX" sz="2400" dirty="0"/>
+              <a:t> refleja el avance físico del usuario. Este diseño refuerza la experiencia personalizada y </a:t>
+            </a:r>
+            <a:r>
+              <a:rPr lang="es-MX" sz="2400" dirty="0" err="1"/>
+              <a:t>gamificada</a:t>
+            </a:r>
+            <a:r>
+              <a:rPr lang="es-MX" sz="2400" dirty="0"/>
+              <a:t>, priorizando la adaptabilidad y el acompañamiento constante.</a:t>
             </a:r>
             <a:endParaRPr lang="es-CO" sz="2400" u="none" strike="noStrike" spc="59" noProof="0" dirty="0">
               <a:solidFill>
@@ -5639,6 +6428,1051 @@
           </a:p>
         </p:txBody>
       </p:sp>
+      <p:graphicFrame>
+        <p:nvGraphicFramePr>
+          <p:cNvPr id="2" name="Tabla 1">
+            <a:extLst>
+              <a:ext uri="{FF2B5EF4-FFF2-40B4-BE49-F238E27FC236}">
+                <a16:creationId xmlns:a16="http://schemas.microsoft.com/office/drawing/2014/main" id="{3E574C06-C963-9AEF-3C77-7ACE576E51A1}"/>
+              </a:ext>
+            </a:extLst>
+          </p:cNvPr>
+          <p:cNvGraphicFramePr>
+            <a:graphicFrameLocks noGrp="1"/>
+          </p:cNvGraphicFramePr>
+          <p:nvPr>
+            <p:extLst>
+              <p:ext uri="{D42A27DB-BD31-4B8C-83A1-F6EECF244321}">
+                <p14:modId xmlns:p14="http://schemas.microsoft.com/office/powerpoint/2010/main" val="919137085"/>
+              </p:ext>
+            </p:extLst>
+          </p:nvPr>
+        </p:nvGraphicFramePr>
+        <p:xfrm>
+          <a:off x="2133601" y="2662446"/>
+          <a:ext cx="14401798" cy="6923940"/>
+        </p:xfrm>
+        <a:graphic>
+          <a:graphicData uri="http://schemas.openxmlformats.org/drawingml/2006/table">
+            <a:tbl>
+              <a:tblPr>
+                <a:tableStyleId>{5C22544A-7EE6-4342-B048-85BDC9FD1C3A}</a:tableStyleId>
+              </a:tblPr>
+              <a:tblGrid>
+                <a:gridCol w="2891125">
+                  <a:extLst>
+                    <a:ext uri="{9D8B030D-6E8A-4147-A177-3AD203B41FA5}">
+                      <a16:colId xmlns:a16="http://schemas.microsoft.com/office/drawing/2014/main" val="3271546772"/>
+                    </a:ext>
+                  </a:extLst>
+                </a:gridCol>
+                <a:gridCol w="6251287">
+                  <a:extLst>
+                    <a:ext uri="{9D8B030D-6E8A-4147-A177-3AD203B41FA5}">
+                      <a16:colId xmlns:a16="http://schemas.microsoft.com/office/drawing/2014/main" val="3466577141"/>
+                    </a:ext>
+                  </a:extLst>
+                </a:gridCol>
+                <a:gridCol w="5259386">
+                  <a:extLst>
+                    <a:ext uri="{9D8B030D-6E8A-4147-A177-3AD203B41FA5}">
+                      <a16:colId xmlns:a16="http://schemas.microsoft.com/office/drawing/2014/main" val="2764408737"/>
+                    </a:ext>
+                  </a:extLst>
+                </a:gridCol>
+              </a:tblGrid>
+              <a:tr h="461596">
+                <a:tc>
+                  <a:txBody>
+                    <a:bodyPr/>
+                    <a:lstStyle/>
+                    <a:p>
+                      <a:pPr algn="ctr" fontAlgn="ctr"/>
+                      <a:r>
+                        <a:rPr lang="es-CO" sz="2700" u="none" strike="noStrike">
+                          <a:effectLst/>
+                        </a:rPr>
+                        <a:t>Elemento 1</a:t>
+                      </a:r>
+                      <a:endParaRPr lang="es-CO" sz="2700" b="1" i="0" u="none" strike="noStrike">
+                        <a:solidFill>
+                          <a:srgbClr val="000000"/>
+                        </a:solidFill>
+                        <a:effectLst/>
+                        <a:latin typeface="Aptos Narrow" panose="020B0004020202020204" pitchFamily="34" charset="0"/>
+                      </a:endParaRPr>
+                    </a:p>
+                  </a:txBody>
+                  <a:tcPr marL="23080" marR="23080" marT="23080" marB="0" anchor="ctr"/>
+                </a:tc>
+                <a:tc>
+                  <a:txBody>
+                    <a:bodyPr/>
+                    <a:lstStyle/>
+                    <a:p>
+                      <a:pPr algn="ctr" fontAlgn="ctr"/>
+                      <a:r>
+                        <a:rPr lang="es-CO" sz="2700" u="none" strike="noStrike">
+                          <a:effectLst/>
+                        </a:rPr>
+                        <a:t>Relación</a:t>
+                      </a:r>
+                      <a:endParaRPr lang="es-CO" sz="2700" b="1" i="0" u="none" strike="noStrike">
+                        <a:solidFill>
+                          <a:srgbClr val="000000"/>
+                        </a:solidFill>
+                        <a:effectLst/>
+                        <a:latin typeface="Aptos Narrow" panose="020B0004020202020204" pitchFamily="34" charset="0"/>
+                      </a:endParaRPr>
+                    </a:p>
+                  </a:txBody>
+                  <a:tcPr marL="23080" marR="23080" marT="23080" marB="0" anchor="ctr"/>
+                </a:tc>
+                <a:tc>
+                  <a:txBody>
+                    <a:bodyPr/>
+                    <a:lstStyle/>
+                    <a:p>
+                      <a:pPr algn="ctr" fontAlgn="ctr"/>
+                      <a:r>
+                        <a:rPr lang="es-CO" sz="2700" u="none" strike="noStrike">
+                          <a:effectLst/>
+                        </a:rPr>
+                        <a:t>Elemento 2</a:t>
+                      </a:r>
+                      <a:endParaRPr lang="es-CO" sz="2700" b="1" i="0" u="none" strike="noStrike">
+                        <a:solidFill>
+                          <a:srgbClr val="000000"/>
+                        </a:solidFill>
+                        <a:effectLst/>
+                        <a:latin typeface="Aptos Narrow" panose="020B0004020202020204" pitchFamily="34" charset="0"/>
+                      </a:endParaRPr>
+                    </a:p>
+                  </a:txBody>
+                  <a:tcPr marL="23080" marR="23080" marT="23080" marB="0" anchor="ctr"/>
+                </a:tc>
+                <a:extLst>
+                  <a:ext uri="{0D108BD9-81ED-4DB2-BD59-A6C34878D82A}">
+                    <a16:rowId xmlns:a16="http://schemas.microsoft.com/office/drawing/2014/main" val="2595059726"/>
+                  </a:ext>
+                </a:extLst>
+              </a:tr>
+              <a:tr h="461596">
+                <a:tc>
+                  <a:txBody>
+                    <a:bodyPr/>
+                    <a:lstStyle/>
+                    <a:p>
+                      <a:pPr algn="l" fontAlgn="ctr"/>
+                      <a:r>
+                        <a:rPr lang="es-CO" sz="2700" u="none" strike="noStrike">
+                          <a:effectLst/>
+                        </a:rPr>
+                        <a:t>Usuario</a:t>
+                      </a:r>
+                      <a:endParaRPr lang="es-CO" sz="2700" b="0" i="0" u="none" strike="noStrike">
+                        <a:solidFill>
+                          <a:srgbClr val="000000"/>
+                        </a:solidFill>
+                        <a:effectLst/>
+                        <a:latin typeface="Aptos Narrow" panose="020B0004020202020204" pitchFamily="34" charset="0"/>
+                      </a:endParaRPr>
+                    </a:p>
+                  </a:txBody>
+                  <a:tcPr marL="23080" marR="23080" marT="23080" marB="0" anchor="ctr"/>
+                </a:tc>
+                <a:tc>
+                  <a:txBody>
+                    <a:bodyPr/>
+                    <a:lstStyle/>
+                    <a:p>
+                      <a:pPr algn="l" fontAlgn="ctr"/>
+                      <a:r>
+                        <a:rPr lang="es-CO" sz="2700" u="none" strike="noStrike">
+                          <a:effectLst/>
+                        </a:rPr>
+                        <a:t>Tiene</a:t>
+                      </a:r>
+                      <a:endParaRPr lang="es-CO" sz="2700" b="0" i="0" u="none" strike="noStrike">
+                        <a:solidFill>
+                          <a:srgbClr val="000000"/>
+                        </a:solidFill>
+                        <a:effectLst/>
+                        <a:latin typeface="Aptos Narrow" panose="020B0004020202020204" pitchFamily="34" charset="0"/>
+                      </a:endParaRPr>
+                    </a:p>
+                  </a:txBody>
+                  <a:tcPr marL="23080" marR="23080" marT="23080" marB="0" anchor="ctr"/>
+                </a:tc>
+                <a:tc>
+                  <a:txBody>
+                    <a:bodyPr/>
+                    <a:lstStyle/>
+                    <a:p>
+                      <a:pPr algn="l" fontAlgn="ctr"/>
+                      <a:r>
+                        <a:rPr lang="es-CO" sz="2700" u="none" strike="noStrike">
+                          <a:effectLst/>
+                        </a:rPr>
+                        <a:t>DietaSemanal</a:t>
+                      </a:r>
+                      <a:endParaRPr lang="es-CO" sz="2700" b="0" i="0" u="none" strike="noStrike">
+                        <a:solidFill>
+                          <a:srgbClr val="000000"/>
+                        </a:solidFill>
+                        <a:effectLst/>
+                        <a:latin typeface="Aptos Narrow" panose="020B0004020202020204" pitchFamily="34" charset="0"/>
+                      </a:endParaRPr>
+                    </a:p>
+                  </a:txBody>
+                  <a:tcPr marL="23080" marR="23080" marT="23080" marB="0" anchor="ctr"/>
+                </a:tc>
+                <a:extLst>
+                  <a:ext uri="{0D108BD9-81ED-4DB2-BD59-A6C34878D82A}">
+                    <a16:rowId xmlns:a16="http://schemas.microsoft.com/office/drawing/2014/main" val="2222465799"/>
+                  </a:ext>
+                </a:extLst>
+              </a:tr>
+              <a:tr h="461596">
+                <a:tc>
+                  <a:txBody>
+                    <a:bodyPr/>
+                    <a:lstStyle/>
+                    <a:p>
+                      <a:pPr algn="l" fontAlgn="ctr"/>
+                      <a:r>
+                        <a:rPr lang="es-CO" sz="2700" u="none" strike="noStrike">
+                          <a:effectLst/>
+                        </a:rPr>
+                        <a:t>Usuario</a:t>
+                      </a:r>
+                      <a:endParaRPr lang="es-CO" sz="2700" b="0" i="0" u="none" strike="noStrike">
+                        <a:solidFill>
+                          <a:srgbClr val="000000"/>
+                        </a:solidFill>
+                        <a:effectLst/>
+                        <a:latin typeface="Aptos Narrow" panose="020B0004020202020204" pitchFamily="34" charset="0"/>
+                      </a:endParaRPr>
+                    </a:p>
+                  </a:txBody>
+                  <a:tcPr marL="23080" marR="23080" marT="23080" marB="0" anchor="ctr"/>
+                </a:tc>
+                <a:tc>
+                  <a:txBody>
+                    <a:bodyPr/>
+                    <a:lstStyle/>
+                    <a:p>
+                      <a:pPr algn="l" fontAlgn="ctr"/>
+                      <a:r>
+                        <a:rPr lang="es-CO" sz="2700" u="none" strike="noStrike">
+                          <a:effectLst/>
+                        </a:rPr>
+                        <a:t>Tiene</a:t>
+                      </a:r>
+                      <a:endParaRPr lang="es-CO" sz="2700" b="0" i="0" u="none" strike="noStrike">
+                        <a:solidFill>
+                          <a:srgbClr val="000000"/>
+                        </a:solidFill>
+                        <a:effectLst/>
+                        <a:latin typeface="Aptos Narrow" panose="020B0004020202020204" pitchFamily="34" charset="0"/>
+                      </a:endParaRPr>
+                    </a:p>
+                  </a:txBody>
+                  <a:tcPr marL="23080" marR="23080" marT="23080" marB="0" anchor="ctr"/>
+                </a:tc>
+                <a:tc>
+                  <a:txBody>
+                    <a:bodyPr/>
+                    <a:lstStyle/>
+                    <a:p>
+                      <a:pPr algn="l" fontAlgn="ctr"/>
+                      <a:r>
+                        <a:rPr lang="es-CO" sz="2700" u="none" strike="noStrike">
+                          <a:effectLst/>
+                        </a:rPr>
+                        <a:t>AvatarPrivado</a:t>
+                      </a:r>
+                      <a:endParaRPr lang="es-CO" sz="2700" b="0" i="0" u="none" strike="noStrike">
+                        <a:solidFill>
+                          <a:srgbClr val="000000"/>
+                        </a:solidFill>
+                        <a:effectLst/>
+                        <a:latin typeface="Aptos Narrow" panose="020B0004020202020204" pitchFamily="34" charset="0"/>
+                      </a:endParaRPr>
+                    </a:p>
+                  </a:txBody>
+                  <a:tcPr marL="23080" marR="23080" marT="23080" marB="0" anchor="ctr"/>
+                </a:tc>
+                <a:extLst>
+                  <a:ext uri="{0D108BD9-81ED-4DB2-BD59-A6C34878D82A}">
+                    <a16:rowId xmlns:a16="http://schemas.microsoft.com/office/drawing/2014/main" val="1494519820"/>
+                  </a:ext>
+                </a:extLst>
+              </a:tr>
+              <a:tr h="461596">
+                <a:tc>
+                  <a:txBody>
+                    <a:bodyPr/>
+                    <a:lstStyle/>
+                    <a:p>
+                      <a:pPr algn="l" fontAlgn="ctr"/>
+                      <a:r>
+                        <a:rPr lang="es-CO" sz="2700" u="none" strike="noStrike">
+                          <a:effectLst/>
+                        </a:rPr>
+                        <a:t>Usuario</a:t>
+                      </a:r>
+                      <a:endParaRPr lang="es-CO" sz="2700" b="0" i="0" u="none" strike="noStrike">
+                        <a:solidFill>
+                          <a:srgbClr val="000000"/>
+                        </a:solidFill>
+                        <a:effectLst/>
+                        <a:latin typeface="Aptos Narrow" panose="020B0004020202020204" pitchFamily="34" charset="0"/>
+                      </a:endParaRPr>
+                    </a:p>
+                  </a:txBody>
+                  <a:tcPr marL="23080" marR="23080" marT="23080" marB="0" anchor="ctr"/>
+                </a:tc>
+                <a:tc>
+                  <a:txBody>
+                    <a:bodyPr/>
+                    <a:lstStyle/>
+                    <a:p>
+                      <a:pPr algn="l" fontAlgn="ctr"/>
+                      <a:r>
+                        <a:rPr lang="es-CO" sz="2700" u="none" strike="noStrike">
+                          <a:effectLst/>
+                        </a:rPr>
+                        <a:t>Tiene</a:t>
+                      </a:r>
+                      <a:endParaRPr lang="es-CO" sz="2700" b="0" i="0" u="none" strike="noStrike">
+                        <a:solidFill>
+                          <a:srgbClr val="000000"/>
+                        </a:solidFill>
+                        <a:effectLst/>
+                        <a:latin typeface="Aptos Narrow" panose="020B0004020202020204" pitchFamily="34" charset="0"/>
+                      </a:endParaRPr>
+                    </a:p>
+                  </a:txBody>
+                  <a:tcPr marL="23080" marR="23080" marT="23080" marB="0" anchor="ctr"/>
+                </a:tc>
+                <a:tc>
+                  <a:txBody>
+                    <a:bodyPr/>
+                    <a:lstStyle/>
+                    <a:p>
+                      <a:pPr algn="l" fontAlgn="ctr"/>
+                      <a:r>
+                        <a:rPr lang="es-CO" sz="2700" u="none" strike="noStrike">
+                          <a:effectLst/>
+                        </a:rPr>
+                        <a:t>MascotaVirtual</a:t>
+                      </a:r>
+                      <a:endParaRPr lang="es-CO" sz="2700" b="0" i="0" u="none" strike="noStrike">
+                        <a:solidFill>
+                          <a:srgbClr val="000000"/>
+                        </a:solidFill>
+                        <a:effectLst/>
+                        <a:latin typeface="Aptos Narrow" panose="020B0004020202020204" pitchFamily="34" charset="0"/>
+                      </a:endParaRPr>
+                    </a:p>
+                  </a:txBody>
+                  <a:tcPr marL="23080" marR="23080" marT="23080" marB="0" anchor="ctr"/>
+                </a:tc>
+                <a:extLst>
+                  <a:ext uri="{0D108BD9-81ED-4DB2-BD59-A6C34878D82A}">
+                    <a16:rowId xmlns:a16="http://schemas.microsoft.com/office/drawing/2014/main" val="415149551"/>
+                  </a:ext>
+                </a:extLst>
+              </a:tr>
+              <a:tr h="461596">
+                <a:tc>
+                  <a:txBody>
+                    <a:bodyPr/>
+                    <a:lstStyle/>
+                    <a:p>
+                      <a:pPr algn="l" fontAlgn="ctr"/>
+                      <a:r>
+                        <a:rPr lang="es-CO" sz="2700" u="none" strike="noStrike">
+                          <a:effectLst/>
+                        </a:rPr>
+                        <a:t>Usuario</a:t>
+                      </a:r>
+                      <a:endParaRPr lang="es-CO" sz="2700" b="0" i="0" u="none" strike="noStrike">
+                        <a:solidFill>
+                          <a:srgbClr val="000000"/>
+                        </a:solidFill>
+                        <a:effectLst/>
+                        <a:latin typeface="Aptos Narrow" panose="020B0004020202020204" pitchFamily="34" charset="0"/>
+                      </a:endParaRPr>
+                    </a:p>
+                  </a:txBody>
+                  <a:tcPr marL="23080" marR="23080" marT="23080" marB="0" anchor="ctr"/>
+                </a:tc>
+                <a:tc>
+                  <a:txBody>
+                    <a:bodyPr/>
+                    <a:lstStyle/>
+                    <a:p>
+                      <a:pPr algn="l" fontAlgn="ctr"/>
+                      <a:r>
+                        <a:rPr lang="es-CO" sz="2700" u="none" strike="noStrike">
+                          <a:effectLst/>
+                        </a:rPr>
+                        <a:t>Tiene</a:t>
+                      </a:r>
+                      <a:endParaRPr lang="es-CO" sz="2700" b="0" i="0" u="none" strike="noStrike">
+                        <a:solidFill>
+                          <a:srgbClr val="000000"/>
+                        </a:solidFill>
+                        <a:effectLst/>
+                        <a:latin typeface="Aptos Narrow" panose="020B0004020202020204" pitchFamily="34" charset="0"/>
+                      </a:endParaRPr>
+                    </a:p>
+                  </a:txBody>
+                  <a:tcPr marL="23080" marR="23080" marT="23080" marB="0" anchor="ctr"/>
+                </a:tc>
+                <a:tc>
+                  <a:txBody>
+                    <a:bodyPr/>
+                    <a:lstStyle/>
+                    <a:p>
+                      <a:pPr algn="l" fontAlgn="ctr"/>
+                      <a:r>
+                        <a:rPr lang="es-CO" sz="2700" u="none" strike="noStrike">
+                          <a:effectLst/>
+                        </a:rPr>
+                        <a:t>SistemaGamificación</a:t>
+                      </a:r>
+                      <a:endParaRPr lang="es-CO" sz="2700" b="0" i="0" u="none" strike="noStrike">
+                        <a:solidFill>
+                          <a:srgbClr val="000000"/>
+                        </a:solidFill>
+                        <a:effectLst/>
+                        <a:latin typeface="Aptos Narrow" panose="020B0004020202020204" pitchFamily="34" charset="0"/>
+                      </a:endParaRPr>
+                    </a:p>
+                  </a:txBody>
+                  <a:tcPr marL="23080" marR="23080" marT="23080" marB="0" anchor="ctr"/>
+                </a:tc>
+                <a:extLst>
+                  <a:ext uri="{0D108BD9-81ED-4DB2-BD59-A6C34878D82A}">
+                    <a16:rowId xmlns:a16="http://schemas.microsoft.com/office/drawing/2014/main" val="472527323"/>
+                  </a:ext>
+                </a:extLst>
+              </a:tr>
+              <a:tr h="923192">
+                <a:tc>
+                  <a:txBody>
+                    <a:bodyPr/>
+                    <a:lstStyle/>
+                    <a:p>
+                      <a:pPr algn="l" fontAlgn="ctr"/>
+                      <a:r>
+                        <a:rPr lang="es-CO" sz="2700" u="none" strike="noStrike">
+                          <a:effectLst/>
+                        </a:rPr>
+                        <a:t>Usuario</a:t>
+                      </a:r>
+                      <a:endParaRPr lang="es-CO" sz="2700" b="0" i="0" u="none" strike="noStrike">
+                        <a:solidFill>
+                          <a:srgbClr val="000000"/>
+                        </a:solidFill>
+                        <a:effectLst/>
+                        <a:latin typeface="Aptos Narrow" panose="020B0004020202020204" pitchFamily="34" charset="0"/>
+                      </a:endParaRPr>
+                    </a:p>
+                  </a:txBody>
+                  <a:tcPr marL="23080" marR="23080" marT="23080" marB="0" anchor="ctr"/>
+                </a:tc>
+                <a:tc>
+                  <a:txBody>
+                    <a:bodyPr/>
+                    <a:lstStyle/>
+                    <a:p>
+                      <a:pPr algn="l" fontAlgn="ctr"/>
+                      <a:r>
+                        <a:rPr lang="es-CO" sz="2700" u="none" strike="noStrike">
+                          <a:effectLst/>
+                        </a:rPr>
+                        <a:t>Recibe</a:t>
+                      </a:r>
+                      <a:endParaRPr lang="es-CO" sz="2700" b="0" i="0" u="none" strike="noStrike">
+                        <a:solidFill>
+                          <a:srgbClr val="000000"/>
+                        </a:solidFill>
+                        <a:effectLst/>
+                        <a:latin typeface="Aptos Narrow" panose="020B0004020202020204" pitchFamily="34" charset="0"/>
+                      </a:endParaRPr>
+                    </a:p>
+                  </a:txBody>
+                  <a:tcPr marL="23080" marR="23080" marT="23080" marB="0" anchor="ctr"/>
+                </a:tc>
+                <a:tc>
+                  <a:txBody>
+                    <a:bodyPr/>
+                    <a:lstStyle/>
+                    <a:p>
+                      <a:pPr algn="l" fontAlgn="ctr"/>
+                      <a:r>
+                        <a:rPr lang="es-MX" sz="2700" u="none" strike="noStrike">
+                          <a:effectLst/>
+                        </a:rPr>
+                        <a:t>Reporte (generalización de ReporteDiario y ReporteSemanal)</a:t>
+                      </a:r>
+                      <a:endParaRPr lang="es-MX" sz="2700" b="0" i="0" u="none" strike="noStrike">
+                        <a:solidFill>
+                          <a:srgbClr val="000000"/>
+                        </a:solidFill>
+                        <a:effectLst/>
+                        <a:latin typeface="Aptos Narrow" panose="020B0004020202020204" pitchFamily="34" charset="0"/>
+                      </a:endParaRPr>
+                    </a:p>
+                  </a:txBody>
+                  <a:tcPr marL="23080" marR="23080" marT="23080" marB="0" anchor="ctr"/>
+                </a:tc>
+                <a:extLst>
+                  <a:ext uri="{0D108BD9-81ED-4DB2-BD59-A6C34878D82A}">
+                    <a16:rowId xmlns:a16="http://schemas.microsoft.com/office/drawing/2014/main" val="3076330300"/>
+                  </a:ext>
+                </a:extLst>
+              </a:tr>
+              <a:tr h="461596">
+                <a:tc>
+                  <a:txBody>
+                    <a:bodyPr/>
+                    <a:lstStyle/>
+                    <a:p>
+                      <a:pPr algn="l" fontAlgn="ctr"/>
+                      <a:r>
+                        <a:rPr lang="es-CO" sz="2700" u="none" strike="noStrike">
+                          <a:effectLst/>
+                        </a:rPr>
+                        <a:t>DietaSemanal</a:t>
+                      </a:r>
+                      <a:endParaRPr lang="es-CO" sz="2700" b="0" i="0" u="none" strike="noStrike">
+                        <a:solidFill>
+                          <a:srgbClr val="000000"/>
+                        </a:solidFill>
+                        <a:effectLst/>
+                        <a:latin typeface="Aptos Narrow" panose="020B0004020202020204" pitchFamily="34" charset="0"/>
+                      </a:endParaRPr>
+                    </a:p>
+                  </a:txBody>
+                  <a:tcPr marL="23080" marR="23080" marT="23080" marB="0" anchor="ctr"/>
+                </a:tc>
+                <a:tc>
+                  <a:txBody>
+                    <a:bodyPr/>
+                    <a:lstStyle/>
+                    <a:p>
+                      <a:pPr algn="l" fontAlgn="ctr"/>
+                      <a:r>
+                        <a:rPr lang="es-CO" sz="2700" u="none" strike="noStrike">
+                          <a:effectLst/>
+                        </a:rPr>
+                        <a:t>Contiene</a:t>
+                      </a:r>
+                      <a:endParaRPr lang="es-CO" sz="2700" b="0" i="0" u="none" strike="noStrike">
+                        <a:solidFill>
+                          <a:srgbClr val="000000"/>
+                        </a:solidFill>
+                        <a:effectLst/>
+                        <a:latin typeface="Aptos Narrow" panose="020B0004020202020204" pitchFamily="34" charset="0"/>
+                      </a:endParaRPr>
+                    </a:p>
+                  </a:txBody>
+                  <a:tcPr marL="23080" marR="23080" marT="23080" marB="0" anchor="ctr"/>
+                </a:tc>
+                <a:tc>
+                  <a:txBody>
+                    <a:bodyPr/>
+                    <a:lstStyle/>
+                    <a:p>
+                      <a:pPr algn="l" fontAlgn="ctr"/>
+                      <a:r>
+                        <a:rPr lang="es-CO" sz="2700" u="none" strike="noStrike">
+                          <a:effectLst/>
+                        </a:rPr>
+                        <a:t>Platos</a:t>
+                      </a:r>
+                      <a:endParaRPr lang="es-CO" sz="2700" b="0" i="0" u="none" strike="noStrike">
+                        <a:solidFill>
+                          <a:srgbClr val="000000"/>
+                        </a:solidFill>
+                        <a:effectLst/>
+                        <a:latin typeface="Aptos Narrow" panose="020B0004020202020204" pitchFamily="34" charset="0"/>
+                      </a:endParaRPr>
+                    </a:p>
+                  </a:txBody>
+                  <a:tcPr marL="23080" marR="23080" marT="23080" marB="0" anchor="ctr"/>
+                </a:tc>
+                <a:extLst>
+                  <a:ext uri="{0D108BD9-81ED-4DB2-BD59-A6C34878D82A}">
+                    <a16:rowId xmlns:a16="http://schemas.microsoft.com/office/drawing/2014/main" val="1295550941"/>
+                  </a:ext>
+                </a:extLst>
+              </a:tr>
+              <a:tr h="461596">
+                <a:tc>
+                  <a:txBody>
+                    <a:bodyPr/>
+                    <a:lstStyle/>
+                    <a:p>
+                      <a:pPr algn="l" fontAlgn="ctr"/>
+                      <a:r>
+                        <a:rPr lang="es-CO" sz="2700" u="none" strike="noStrike">
+                          <a:effectLst/>
+                        </a:rPr>
+                        <a:t>Plato</a:t>
+                      </a:r>
+                      <a:endParaRPr lang="es-CO" sz="2700" b="0" i="0" u="none" strike="noStrike">
+                        <a:solidFill>
+                          <a:srgbClr val="000000"/>
+                        </a:solidFill>
+                        <a:effectLst/>
+                        <a:latin typeface="Aptos Narrow" panose="020B0004020202020204" pitchFamily="34" charset="0"/>
+                      </a:endParaRPr>
+                    </a:p>
+                  </a:txBody>
+                  <a:tcPr marL="23080" marR="23080" marT="23080" marB="0" anchor="ctr"/>
+                </a:tc>
+                <a:tc>
+                  <a:txBody>
+                    <a:bodyPr/>
+                    <a:lstStyle/>
+                    <a:p>
+                      <a:pPr algn="l" fontAlgn="ctr"/>
+                      <a:r>
+                        <a:rPr lang="es-CO" sz="2700" u="none" strike="noStrike">
+                          <a:effectLst/>
+                        </a:rPr>
+                        <a:t>Contiene</a:t>
+                      </a:r>
+                      <a:endParaRPr lang="es-CO" sz="2700" b="0" i="0" u="none" strike="noStrike">
+                        <a:solidFill>
+                          <a:srgbClr val="000000"/>
+                        </a:solidFill>
+                        <a:effectLst/>
+                        <a:latin typeface="Aptos Narrow" panose="020B0004020202020204" pitchFamily="34" charset="0"/>
+                      </a:endParaRPr>
+                    </a:p>
+                  </a:txBody>
+                  <a:tcPr marL="23080" marR="23080" marT="23080" marB="0" anchor="ctr"/>
+                </a:tc>
+                <a:tc>
+                  <a:txBody>
+                    <a:bodyPr/>
+                    <a:lstStyle/>
+                    <a:p>
+                      <a:pPr algn="l" fontAlgn="ctr"/>
+                      <a:r>
+                        <a:rPr lang="es-CO" sz="2700" u="none" strike="noStrike">
+                          <a:effectLst/>
+                        </a:rPr>
+                        <a:t>Ingredientes</a:t>
+                      </a:r>
+                      <a:endParaRPr lang="es-CO" sz="2700" b="0" i="0" u="none" strike="noStrike">
+                        <a:solidFill>
+                          <a:srgbClr val="000000"/>
+                        </a:solidFill>
+                        <a:effectLst/>
+                        <a:latin typeface="Aptos Narrow" panose="020B0004020202020204" pitchFamily="34" charset="0"/>
+                      </a:endParaRPr>
+                    </a:p>
+                  </a:txBody>
+                  <a:tcPr marL="23080" marR="23080" marT="23080" marB="0" anchor="ctr"/>
+                </a:tc>
+                <a:extLst>
+                  <a:ext uri="{0D108BD9-81ED-4DB2-BD59-A6C34878D82A}">
+                    <a16:rowId xmlns:a16="http://schemas.microsoft.com/office/drawing/2014/main" val="634529169"/>
+                  </a:ext>
+                </a:extLst>
+              </a:tr>
+              <a:tr h="461596">
+                <a:tc>
+                  <a:txBody>
+                    <a:bodyPr/>
+                    <a:lstStyle/>
+                    <a:p>
+                      <a:pPr algn="l" fontAlgn="ctr"/>
+                      <a:r>
+                        <a:rPr lang="es-CO" sz="2700" u="none" strike="noStrike">
+                          <a:effectLst/>
+                        </a:rPr>
+                        <a:t>Ingrediente</a:t>
+                      </a:r>
+                      <a:endParaRPr lang="es-CO" sz="2700" b="0" i="0" u="none" strike="noStrike">
+                        <a:solidFill>
+                          <a:srgbClr val="000000"/>
+                        </a:solidFill>
+                        <a:effectLst/>
+                        <a:latin typeface="Aptos Narrow" panose="020B0004020202020204" pitchFamily="34" charset="0"/>
+                      </a:endParaRPr>
+                    </a:p>
+                  </a:txBody>
+                  <a:tcPr marL="23080" marR="23080" marT="23080" marB="0" anchor="ctr"/>
+                </a:tc>
+                <a:tc>
+                  <a:txBody>
+                    <a:bodyPr/>
+                    <a:lstStyle/>
+                    <a:p>
+                      <a:pPr algn="l" fontAlgn="ctr"/>
+                      <a:r>
+                        <a:rPr lang="es-CO" sz="2700" u="none" strike="noStrike">
+                          <a:effectLst/>
+                        </a:rPr>
+                        <a:t>Tiene</a:t>
+                      </a:r>
+                      <a:endParaRPr lang="es-CO" sz="2700" b="0" i="0" u="none" strike="noStrike">
+                        <a:solidFill>
+                          <a:srgbClr val="000000"/>
+                        </a:solidFill>
+                        <a:effectLst/>
+                        <a:latin typeface="Aptos Narrow" panose="020B0004020202020204" pitchFamily="34" charset="0"/>
+                      </a:endParaRPr>
+                    </a:p>
+                  </a:txBody>
+                  <a:tcPr marL="23080" marR="23080" marT="23080" marB="0" anchor="ctr"/>
+                </a:tc>
+                <a:tc>
+                  <a:txBody>
+                    <a:bodyPr/>
+                    <a:lstStyle/>
+                    <a:p>
+                      <a:pPr algn="l" fontAlgn="ctr"/>
+                      <a:r>
+                        <a:rPr lang="es-CO" sz="2700" u="none" strike="noStrike">
+                          <a:effectLst/>
+                        </a:rPr>
+                        <a:t>Nutricion</a:t>
+                      </a:r>
+                      <a:endParaRPr lang="es-CO" sz="2700" b="0" i="0" u="none" strike="noStrike">
+                        <a:solidFill>
+                          <a:srgbClr val="000000"/>
+                        </a:solidFill>
+                        <a:effectLst/>
+                        <a:latin typeface="Aptos Narrow" panose="020B0004020202020204" pitchFamily="34" charset="0"/>
+                      </a:endParaRPr>
+                    </a:p>
+                  </a:txBody>
+                  <a:tcPr marL="23080" marR="23080" marT="23080" marB="0" anchor="ctr"/>
+                </a:tc>
+                <a:extLst>
+                  <a:ext uri="{0D108BD9-81ED-4DB2-BD59-A6C34878D82A}">
+                    <a16:rowId xmlns:a16="http://schemas.microsoft.com/office/drawing/2014/main" val="1687869853"/>
+                  </a:ext>
+                </a:extLst>
+              </a:tr>
+              <a:tr h="461596">
+                <a:tc>
+                  <a:txBody>
+                    <a:bodyPr/>
+                    <a:lstStyle/>
+                    <a:p>
+                      <a:pPr algn="l" fontAlgn="ctr"/>
+                      <a:r>
+                        <a:rPr lang="es-CO" sz="2700" u="none" strike="noStrike">
+                          <a:effectLst/>
+                        </a:rPr>
+                        <a:t>Plato</a:t>
+                      </a:r>
+                      <a:endParaRPr lang="es-CO" sz="2700" b="0" i="0" u="none" strike="noStrike">
+                        <a:solidFill>
+                          <a:srgbClr val="000000"/>
+                        </a:solidFill>
+                        <a:effectLst/>
+                        <a:latin typeface="Aptos Narrow" panose="020B0004020202020204" pitchFamily="34" charset="0"/>
+                      </a:endParaRPr>
+                    </a:p>
+                  </a:txBody>
+                  <a:tcPr marL="23080" marR="23080" marT="23080" marB="0" anchor="ctr"/>
+                </a:tc>
+                <a:tc>
+                  <a:txBody>
+                    <a:bodyPr/>
+                    <a:lstStyle/>
+                    <a:p>
+                      <a:pPr algn="l" fontAlgn="ctr"/>
+                      <a:r>
+                        <a:rPr lang="es-CO" sz="2700" u="none" strike="noStrike">
+                          <a:effectLst/>
+                        </a:rPr>
+                        <a:t>Tiene</a:t>
+                      </a:r>
+                      <a:endParaRPr lang="es-CO" sz="2700" b="0" i="0" u="none" strike="noStrike">
+                        <a:solidFill>
+                          <a:srgbClr val="000000"/>
+                        </a:solidFill>
+                        <a:effectLst/>
+                        <a:latin typeface="Aptos Narrow" panose="020B0004020202020204" pitchFamily="34" charset="0"/>
+                      </a:endParaRPr>
+                    </a:p>
+                  </a:txBody>
+                  <a:tcPr marL="23080" marR="23080" marT="23080" marB="0" anchor="ctr"/>
+                </a:tc>
+                <a:tc>
+                  <a:txBody>
+                    <a:bodyPr/>
+                    <a:lstStyle/>
+                    <a:p>
+                      <a:pPr algn="l" fontAlgn="ctr"/>
+                      <a:r>
+                        <a:rPr lang="es-CO" sz="2700" u="none" strike="noStrike">
+                          <a:effectLst/>
+                        </a:rPr>
+                        <a:t>Nutricion</a:t>
+                      </a:r>
+                      <a:endParaRPr lang="es-CO" sz="2700" b="0" i="0" u="none" strike="noStrike">
+                        <a:solidFill>
+                          <a:srgbClr val="000000"/>
+                        </a:solidFill>
+                        <a:effectLst/>
+                        <a:latin typeface="Aptos Narrow" panose="020B0004020202020204" pitchFamily="34" charset="0"/>
+                      </a:endParaRPr>
+                    </a:p>
+                  </a:txBody>
+                  <a:tcPr marL="23080" marR="23080" marT="23080" marB="0" anchor="ctr"/>
+                </a:tc>
+                <a:extLst>
+                  <a:ext uri="{0D108BD9-81ED-4DB2-BD59-A6C34878D82A}">
+                    <a16:rowId xmlns:a16="http://schemas.microsoft.com/office/drawing/2014/main" val="1527255113"/>
+                  </a:ext>
+                </a:extLst>
+              </a:tr>
+              <a:tr h="461596">
+                <a:tc>
+                  <a:txBody>
+                    <a:bodyPr/>
+                    <a:lstStyle/>
+                    <a:p>
+                      <a:pPr algn="l" fontAlgn="ctr"/>
+                      <a:r>
+                        <a:rPr lang="es-CO" sz="2700" u="none" strike="noStrike">
+                          <a:effectLst/>
+                        </a:rPr>
+                        <a:t>Reporte</a:t>
+                      </a:r>
+                      <a:endParaRPr lang="es-CO" sz="2700" b="0" i="0" u="none" strike="noStrike">
+                        <a:solidFill>
+                          <a:srgbClr val="000000"/>
+                        </a:solidFill>
+                        <a:effectLst/>
+                        <a:latin typeface="Aptos Narrow" panose="020B0004020202020204" pitchFamily="34" charset="0"/>
+                      </a:endParaRPr>
+                    </a:p>
+                  </a:txBody>
+                  <a:tcPr marL="23080" marR="23080" marT="23080" marB="0" anchor="ctr"/>
+                </a:tc>
+                <a:tc>
+                  <a:txBody>
+                    <a:bodyPr/>
+                    <a:lstStyle/>
+                    <a:p>
+                      <a:pPr algn="l" fontAlgn="ctr"/>
+                      <a:r>
+                        <a:rPr lang="es-CO" sz="2700" u="none" strike="noStrike">
+                          <a:effectLst/>
+                        </a:rPr>
+                        <a:t>Contiene</a:t>
+                      </a:r>
+                      <a:endParaRPr lang="es-CO" sz="2700" b="0" i="0" u="none" strike="noStrike">
+                        <a:solidFill>
+                          <a:srgbClr val="000000"/>
+                        </a:solidFill>
+                        <a:effectLst/>
+                        <a:latin typeface="Aptos Narrow" panose="020B0004020202020204" pitchFamily="34" charset="0"/>
+                      </a:endParaRPr>
+                    </a:p>
+                  </a:txBody>
+                  <a:tcPr marL="23080" marR="23080" marT="23080" marB="0" anchor="ctr"/>
+                </a:tc>
+                <a:tc>
+                  <a:txBody>
+                    <a:bodyPr/>
+                    <a:lstStyle/>
+                    <a:p>
+                      <a:pPr algn="l" fontAlgn="ctr"/>
+                      <a:r>
+                        <a:rPr lang="es-CO" sz="2700" u="none" strike="noStrike">
+                          <a:effectLst/>
+                        </a:rPr>
+                        <a:t>Nutricion</a:t>
+                      </a:r>
+                      <a:endParaRPr lang="es-CO" sz="2700" b="0" i="0" u="none" strike="noStrike">
+                        <a:solidFill>
+                          <a:srgbClr val="000000"/>
+                        </a:solidFill>
+                        <a:effectLst/>
+                        <a:latin typeface="Aptos Narrow" panose="020B0004020202020204" pitchFamily="34" charset="0"/>
+                      </a:endParaRPr>
+                    </a:p>
+                  </a:txBody>
+                  <a:tcPr marL="23080" marR="23080" marT="23080" marB="0" anchor="ctr"/>
+                </a:tc>
+                <a:extLst>
+                  <a:ext uri="{0D108BD9-81ED-4DB2-BD59-A6C34878D82A}">
+                    <a16:rowId xmlns:a16="http://schemas.microsoft.com/office/drawing/2014/main" val="43047270"/>
+                  </a:ext>
+                </a:extLst>
+              </a:tr>
+              <a:tr h="461596">
+                <a:tc>
+                  <a:txBody>
+                    <a:bodyPr/>
+                    <a:lstStyle/>
+                    <a:p>
+                      <a:pPr algn="l" fontAlgn="ctr"/>
+                      <a:r>
+                        <a:rPr lang="es-CO" sz="2700" u="none" strike="noStrike">
+                          <a:effectLst/>
+                        </a:rPr>
+                        <a:t>MascotaVirtual</a:t>
+                      </a:r>
+                      <a:endParaRPr lang="es-CO" sz="2700" b="0" i="0" u="none" strike="noStrike">
+                        <a:solidFill>
+                          <a:srgbClr val="000000"/>
+                        </a:solidFill>
+                        <a:effectLst/>
+                        <a:latin typeface="Aptos Narrow" panose="020B0004020202020204" pitchFamily="34" charset="0"/>
+                      </a:endParaRPr>
+                    </a:p>
+                  </a:txBody>
+                  <a:tcPr marL="23080" marR="23080" marT="23080" marB="0" anchor="ctr"/>
+                </a:tc>
+                <a:tc>
+                  <a:txBody>
+                    <a:bodyPr/>
+                    <a:lstStyle/>
+                    <a:p>
+                      <a:pPr algn="l" fontAlgn="ctr"/>
+                      <a:r>
+                        <a:rPr lang="es-CO" sz="2700" u="none" strike="noStrike">
+                          <a:effectLst/>
+                        </a:rPr>
+                        <a:t>Usa</a:t>
+                      </a:r>
+                      <a:endParaRPr lang="es-CO" sz="2700" b="0" i="0" u="none" strike="noStrike">
+                        <a:solidFill>
+                          <a:srgbClr val="000000"/>
+                        </a:solidFill>
+                        <a:effectLst/>
+                        <a:latin typeface="Aptos Narrow" panose="020B0004020202020204" pitchFamily="34" charset="0"/>
+                      </a:endParaRPr>
+                    </a:p>
+                  </a:txBody>
+                  <a:tcPr marL="23080" marR="23080" marT="23080" marB="0" anchor="ctr"/>
+                </a:tc>
+                <a:tc>
+                  <a:txBody>
+                    <a:bodyPr/>
+                    <a:lstStyle/>
+                    <a:p>
+                      <a:pPr algn="l" fontAlgn="ctr"/>
+                      <a:r>
+                        <a:rPr lang="es-CO" sz="2700" u="none" strike="noStrike">
+                          <a:effectLst/>
+                        </a:rPr>
+                        <a:t>Accesorios</a:t>
+                      </a:r>
+                      <a:endParaRPr lang="es-CO" sz="2700" b="0" i="0" u="none" strike="noStrike">
+                        <a:solidFill>
+                          <a:srgbClr val="000000"/>
+                        </a:solidFill>
+                        <a:effectLst/>
+                        <a:latin typeface="Aptos Narrow" panose="020B0004020202020204" pitchFamily="34" charset="0"/>
+                      </a:endParaRPr>
+                    </a:p>
+                  </a:txBody>
+                  <a:tcPr marL="23080" marR="23080" marT="23080" marB="0" anchor="ctr"/>
+                </a:tc>
+                <a:extLst>
+                  <a:ext uri="{0D108BD9-81ED-4DB2-BD59-A6C34878D82A}">
+                    <a16:rowId xmlns:a16="http://schemas.microsoft.com/office/drawing/2014/main" val="3303390521"/>
+                  </a:ext>
+                </a:extLst>
+              </a:tr>
+              <a:tr h="923192">
+                <a:tc>
+                  <a:txBody>
+                    <a:bodyPr/>
+                    <a:lstStyle/>
+                    <a:p>
+                      <a:pPr algn="l" fontAlgn="ctr"/>
+                      <a:r>
+                        <a:rPr lang="es-CO" sz="2700" u="none" strike="noStrike">
+                          <a:effectLst/>
+                        </a:rPr>
+                        <a:t>SistemaGamificación</a:t>
+                      </a:r>
+                      <a:endParaRPr lang="es-CO" sz="2700" b="0" i="0" u="none" strike="noStrike">
+                        <a:solidFill>
+                          <a:srgbClr val="000000"/>
+                        </a:solidFill>
+                        <a:effectLst/>
+                        <a:latin typeface="Aptos Narrow" panose="020B0004020202020204" pitchFamily="34" charset="0"/>
+                      </a:endParaRPr>
+                    </a:p>
+                  </a:txBody>
+                  <a:tcPr marL="23080" marR="23080" marT="23080" marB="0" anchor="ctr"/>
+                </a:tc>
+                <a:tc>
+                  <a:txBody>
+                    <a:bodyPr/>
+                    <a:lstStyle/>
+                    <a:p>
+                      <a:pPr algn="l" fontAlgn="ctr"/>
+                      <a:r>
+                        <a:rPr lang="es-CO" sz="2700" u="none" strike="noStrike">
+                          <a:effectLst/>
+                        </a:rPr>
+                        <a:t>Otorga</a:t>
+                      </a:r>
+                      <a:endParaRPr lang="es-CO" sz="2700" b="0" i="0" u="none" strike="noStrike">
+                        <a:solidFill>
+                          <a:srgbClr val="000000"/>
+                        </a:solidFill>
+                        <a:effectLst/>
+                        <a:latin typeface="Aptos Narrow" panose="020B0004020202020204" pitchFamily="34" charset="0"/>
+                      </a:endParaRPr>
+                    </a:p>
+                  </a:txBody>
+                  <a:tcPr marL="23080" marR="23080" marT="23080" marB="0" anchor="ctr"/>
+                </a:tc>
+                <a:tc>
+                  <a:txBody>
+                    <a:bodyPr/>
+                    <a:lstStyle/>
+                    <a:p>
+                      <a:pPr algn="l" fontAlgn="ctr"/>
+                      <a:r>
+                        <a:rPr lang="es-CO" sz="2700" u="none" strike="noStrike" dirty="0">
+                          <a:effectLst/>
+                        </a:rPr>
+                        <a:t>Accesorios</a:t>
+                      </a:r>
+                      <a:endParaRPr lang="es-CO" sz="2700" b="0" i="0" u="none" strike="noStrike" dirty="0">
+                        <a:solidFill>
+                          <a:srgbClr val="000000"/>
+                        </a:solidFill>
+                        <a:effectLst/>
+                        <a:latin typeface="Aptos Narrow" panose="020B0004020202020204" pitchFamily="34" charset="0"/>
+                      </a:endParaRPr>
+                    </a:p>
+                  </a:txBody>
+                  <a:tcPr marL="23080" marR="23080" marT="23080" marB="0" anchor="ctr"/>
+                </a:tc>
+                <a:extLst>
+                  <a:ext uri="{0D108BD9-81ED-4DB2-BD59-A6C34878D82A}">
+                    <a16:rowId xmlns:a16="http://schemas.microsoft.com/office/drawing/2014/main" val="20488232"/>
+                  </a:ext>
+                </a:extLst>
+              </a:tr>
+            </a:tbl>
+          </a:graphicData>
+        </a:graphic>
+      </p:graphicFrame>
     </p:spTree>
     <p:extLst>
       <p:ext uri="{BB962C8B-B14F-4D97-AF65-F5344CB8AC3E}">
